--- a/ClassRoomNotes/PPT/Networking and storage Basics.pptx
+++ b/ClassRoomNotes/PPT/Networking and storage Basics.pptx
@@ -42,12 +42,6 @@
     <p:sldId id="302" r:id="rId36"/>
     <p:sldId id="303" r:id="rId37"/>
     <p:sldId id="304" r:id="rId38"/>
-    <p:sldId id="300" r:id="rId39"/>
-    <p:sldId id="299" r:id="rId40"/>
-    <p:sldId id="305" r:id="rId41"/>
-    <p:sldId id="308" r:id="rId42"/>
-    <p:sldId id="306" r:id="rId43"/>
-    <p:sldId id="307" r:id="rId44"/>
   </p:sldIdLst>
   <p:sldSz cx="12192000" cy="6858000"/>
   <p:notesSz cx="6858000" cy="9144000"/>
@@ -6558,336 +6552,6 @@
 </p:sld>
 </file>
 
-<file path=ppt/slides/slide38.xml><?xml version="1.0" encoding="utf-8"?>
-<p:sld xmlns:a="http://schemas.openxmlformats.org/drawingml/2006/main" xmlns:r="http://schemas.openxmlformats.org/officeDocument/2006/relationships" xmlns:p="http://schemas.openxmlformats.org/presentationml/2006/main">
-  <p:cSld>
-    <p:spTree>
-      <p:nvGrpSpPr>
-        <p:cNvPr id="1" name=""/>
-        <p:cNvGrpSpPr/>
-        <p:nvPr/>
-      </p:nvGrpSpPr>
-      <p:grpSpPr>
-        <a:xfrm>
-          <a:off x="0" y="0"/>
-          <a:ext cx="0" cy="0"/>
-          <a:chOff x="0" y="0"/>
-          <a:chExt cx="0" cy="0"/>
-        </a:xfrm>
-      </p:grpSpPr>
-      <p:sp>
-        <p:nvSpPr>
-          <p:cNvPr id="2" name="Title 1">
-            <a:extLst>
-              <a:ext uri="{FF2B5EF4-FFF2-40B4-BE49-F238E27FC236}">
-                <a16:creationId xmlns:a16="http://schemas.microsoft.com/office/drawing/2014/main" id="{601C64FB-2BF9-0FAC-53C9-CF977495ACBF}"/>
-              </a:ext>
-            </a:extLst>
-          </p:cNvPr>
-          <p:cNvSpPr>
-            <a:spLocks noGrp="1"/>
-          </p:cNvSpPr>
-          <p:nvPr>
-            <p:ph type="title"/>
-          </p:nvPr>
-        </p:nvSpPr>
-        <p:spPr/>
-        <p:txBody>
-          <a:bodyPr/>
-          <a:lstStyle/>
-          <a:p>
-            <a:r>
-              <a:rPr lang="en-IN" dirty="0">
-                <a:solidFill>
-                  <a:srgbClr val="FF0000"/>
-                </a:solidFill>
-              </a:rPr>
-              <a:t>Data Type</a:t>
-            </a:r>
-          </a:p>
-        </p:txBody>
-      </p:sp>
-      <p:sp>
-        <p:nvSpPr>
-          <p:cNvPr id="3" name="Content Placeholder 2">
-            <a:extLst>
-              <a:ext uri="{FF2B5EF4-FFF2-40B4-BE49-F238E27FC236}">
-                <a16:creationId xmlns:a16="http://schemas.microsoft.com/office/drawing/2014/main" id="{8D8B4788-B758-A34F-79EF-E83AF23376BA}"/>
-              </a:ext>
-            </a:extLst>
-          </p:cNvPr>
-          <p:cNvSpPr>
-            <a:spLocks noGrp="1"/>
-          </p:cNvSpPr>
-          <p:nvPr>
-            <p:ph idx="1"/>
-          </p:nvPr>
-        </p:nvSpPr>
-        <p:spPr/>
-        <p:txBody>
-          <a:bodyPr>
-            <a:normAutofit lnSpcReduction="10000"/>
-          </a:bodyPr>
-          <a:lstStyle/>
-          <a:p>
-            <a:pPr marL="0" indent="0">
-              <a:buNone/>
-            </a:pPr>
-            <a:r>
-              <a:rPr lang="en-IN" dirty="0">
-                <a:highlight>
-                  <a:srgbClr val="FFFF00"/>
-                </a:highlight>
-              </a:rPr>
-              <a:t>Structured Data</a:t>
-            </a:r>
-          </a:p>
-          <a:p>
-            <a:pPr marL="0" indent="0">
-              <a:buNone/>
-            </a:pPr>
-            <a:r>
-              <a:rPr lang="en-IN" dirty="0"/>
-              <a:t>	Highly organized and easily searchable in databases</a:t>
-            </a:r>
-          </a:p>
-          <a:p>
-            <a:pPr marL="0" indent="0">
-              <a:buNone/>
-            </a:pPr>
-            <a:r>
-              <a:rPr lang="en-IN" dirty="0"/>
-              <a:t>	Examples: Tables, columns, rows.</a:t>
-            </a:r>
-          </a:p>
-          <a:p>
-            <a:pPr marL="0" indent="0">
-              <a:buNone/>
-            </a:pPr>
-            <a:r>
-              <a:rPr lang="en-IN" dirty="0">
-                <a:highlight>
-                  <a:srgbClr val="FFFF00"/>
-                </a:highlight>
-              </a:rPr>
-              <a:t>Unstructured Data</a:t>
-            </a:r>
-          </a:p>
-          <a:p>
-            <a:pPr marL="0" indent="0">
-              <a:buNone/>
-            </a:pPr>
-            <a:r>
-              <a:rPr lang="en-IN" dirty="0"/>
-              <a:t>	Not organized in a predefined manner.</a:t>
-            </a:r>
-          </a:p>
-          <a:p>
-            <a:pPr marL="0" indent="0">
-              <a:buNone/>
-            </a:pPr>
-            <a:r>
-              <a:rPr lang="en-IN" dirty="0"/>
-              <a:t>	Examples: Text documents, images, videos, social media posts.</a:t>
-            </a:r>
-          </a:p>
-          <a:p>
-            <a:pPr marL="0" indent="0">
-              <a:buNone/>
-            </a:pPr>
-            <a:r>
-              <a:rPr lang="en-IN" dirty="0">
-                <a:highlight>
-                  <a:srgbClr val="FFFF00"/>
-                </a:highlight>
-              </a:rPr>
-              <a:t>Semi-Structured Data</a:t>
-            </a:r>
-          </a:p>
-          <a:p>
-            <a:pPr marL="0" indent="0">
-              <a:buNone/>
-            </a:pPr>
-            <a:r>
-              <a:rPr lang="en-IN" dirty="0"/>
-              <a:t>	Contains elements of both structured and unstructured data.</a:t>
-            </a:r>
-          </a:p>
-          <a:p>
-            <a:pPr marL="0" indent="0">
-              <a:buNone/>
-            </a:pPr>
-            <a:r>
-              <a:rPr lang="en-IN" dirty="0"/>
-              <a:t>	Examples: XML, JSON, HTML.</a:t>
-            </a:r>
-          </a:p>
-        </p:txBody>
-      </p:sp>
-    </p:spTree>
-    <p:extLst>
-      <p:ext uri="{BB962C8B-B14F-4D97-AF65-F5344CB8AC3E}">
-        <p14:creationId xmlns:p14="http://schemas.microsoft.com/office/powerpoint/2010/main" val="319056042"/>
-      </p:ext>
-    </p:extLst>
-  </p:cSld>
-  <p:clrMapOvr>
-    <a:masterClrMapping/>
-  </p:clrMapOvr>
-</p:sld>
-</file>
-
-<file path=ppt/slides/slide39.xml><?xml version="1.0" encoding="utf-8"?>
-<p:sld xmlns:a="http://schemas.openxmlformats.org/drawingml/2006/main" xmlns:r="http://schemas.openxmlformats.org/officeDocument/2006/relationships" xmlns:p="http://schemas.openxmlformats.org/presentationml/2006/main">
-  <p:cSld>
-    <p:spTree>
-      <p:nvGrpSpPr>
-        <p:cNvPr id="1" name=""/>
-        <p:cNvGrpSpPr/>
-        <p:nvPr/>
-      </p:nvGrpSpPr>
-      <p:grpSpPr>
-        <a:xfrm>
-          <a:off x="0" y="0"/>
-          <a:ext cx="0" cy="0"/>
-          <a:chOff x="0" y="0"/>
-          <a:chExt cx="0" cy="0"/>
-        </a:xfrm>
-      </p:grpSpPr>
-      <p:sp>
-        <p:nvSpPr>
-          <p:cNvPr id="2" name="Title 1">
-            <a:extLst>
-              <a:ext uri="{FF2B5EF4-FFF2-40B4-BE49-F238E27FC236}">
-                <a16:creationId xmlns:a16="http://schemas.microsoft.com/office/drawing/2014/main" id="{273EC3E1-1E1B-A52D-9D9E-90ADB8A561EE}"/>
-              </a:ext>
-            </a:extLst>
-          </p:cNvPr>
-          <p:cNvSpPr>
-            <a:spLocks noGrp="1"/>
-          </p:cNvSpPr>
-          <p:nvPr>
-            <p:ph type="title"/>
-          </p:nvPr>
-        </p:nvSpPr>
-        <p:spPr/>
-        <p:txBody>
-          <a:bodyPr/>
-          <a:lstStyle/>
-          <a:p>
-            <a:r>
-              <a:rPr lang="en-IN" dirty="0">
-                <a:solidFill>
-                  <a:srgbClr val="FF0000"/>
-                </a:solidFill>
-              </a:rPr>
-              <a:t>Storage Type in Azure</a:t>
-            </a:r>
-          </a:p>
-        </p:txBody>
-      </p:sp>
-      <p:sp>
-        <p:nvSpPr>
-          <p:cNvPr id="3" name="Content Placeholder 2">
-            <a:extLst>
-              <a:ext uri="{FF2B5EF4-FFF2-40B4-BE49-F238E27FC236}">
-                <a16:creationId xmlns:a16="http://schemas.microsoft.com/office/drawing/2014/main" id="{1334C89C-E5D4-AC23-2305-3F52234BFC89}"/>
-              </a:ext>
-            </a:extLst>
-          </p:cNvPr>
-          <p:cNvSpPr>
-            <a:spLocks noGrp="1"/>
-          </p:cNvSpPr>
-          <p:nvPr>
-            <p:ph idx="1"/>
-          </p:nvPr>
-        </p:nvSpPr>
-        <p:spPr/>
-        <p:txBody>
-          <a:bodyPr>
-            <a:normAutofit fontScale="92500" lnSpcReduction="10000"/>
-          </a:bodyPr>
-          <a:lstStyle/>
-          <a:p>
-            <a:pPr marL="514350" indent="-514350">
-              <a:buAutoNum type="arabicParenR"/>
-            </a:pPr>
-            <a:r>
-              <a:rPr lang="en-IN" dirty="0"/>
-              <a:t>Blob: Unstructured data</a:t>
-            </a:r>
-          </a:p>
-          <a:p>
-            <a:pPr marL="514350" indent="-514350">
-              <a:buAutoNum type="arabicParenR"/>
-            </a:pPr>
-            <a:r>
-              <a:rPr lang="en-IN" dirty="0"/>
-              <a:t>File: Data sharing between 2 files[Connect option]</a:t>
-            </a:r>
-          </a:p>
-          <a:p>
-            <a:pPr marL="514350" indent="-514350">
-              <a:buAutoNum type="arabicParenR"/>
-            </a:pPr>
-            <a:r>
-              <a:rPr lang="en-IN" dirty="0"/>
-              <a:t>Table : Structured data</a:t>
-            </a:r>
-          </a:p>
-          <a:p>
-            <a:pPr marL="514350" indent="-514350">
-              <a:buAutoNum type="arabicParenR"/>
-            </a:pPr>
-            <a:r>
-              <a:rPr lang="en-IN" dirty="0"/>
-              <a:t>Queue: Messaging Queue</a:t>
-            </a:r>
-          </a:p>
-          <a:p>
-            <a:pPr marL="514350" indent="-514350">
-              <a:buAutoNum type="arabicParenR"/>
-            </a:pPr>
-            <a:endParaRPr lang="en-IN" dirty="0"/>
-          </a:p>
-          <a:p>
-            <a:pPr marL="0" indent="0">
-              <a:buNone/>
-            </a:pPr>
-            <a:r>
-              <a:rPr lang="en-IN" dirty="0">
-                <a:highlight>
-                  <a:srgbClr val="FFFF00"/>
-                </a:highlight>
-              </a:rPr>
-              <a:t>Azure Storage Account: </a:t>
-            </a:r>
-          </a:p>
-          <a:p>
-            <a:pPr marL="0" indent="0">
-              <a:buNone/>
-            </a:pPr>
-            <a:r>
-              <a:rPr lang="en-US" dirty="0"/>
-              <a:t>An Azure storage account contains all of your Azure Storage data objects: blobs, files, queues, and tables. The storage account provides a unique namespace for your Azure Storage data that's accessible from anywhere in the world over HTTP or HTTPS. Data in your storage account is durable and highly available, secure, and massively scalable.</a:t>
-            </a:r>
-            <a:endParaRPr lang="en-IN" dirty="0"/>
-          </a:p>
-        </p:txBody>
-      </p:sp>
-    </p:spTree>
-    <p:extLst>
-      <p:ext uri="{BB962C8B-B14F-4D97-AF65-F5344CB8AC3E}">
-        <p14:creationId xmlns:p14="http://schemas.microsoft.com/office/powerpoint/2010/main" val="1524826040"/>
-      </p:ext>
-    </p:extLst>
-  </p:cSld>
-  <p:clrMapOvr>
-    <a:masterClrMapping/>
-  </p:clrMapOvr>
-</p:sld>
-</file>
-
 <file path=ppt/slides/slide4.xml><?xml version="1.0" encoding="utf-8"?>
 <p:sld xmlns:a="http://schemas.openxmlformats.org/drawingml/2006/main" xmlns:r="http://schemas.openxmlformats.org/officeDocument/2006/relationships" xmlns:p="http://schemas.openxmlformats.org/presentationml/2006/main">
   <p:cSld>
@@ -6972,468 +6636,6 @@
     <p:extLst>
       <p:ext uri="{BB962C8B-B14F-4D97-AF65-F5344CB8AC3E}">
         <p14:creationId xmlns:p14="http://schemas.microsoft.com/office/powerpoint/2010/main" val="1752347126"/>
-      </p:ext>
-    </p:extLst>
-  </p:cSld>
-  <p:clrMapOvr>
-    <a:masterClrMapping/>
-  </p:clrMapOvr>
-</p:sld>
-</file>
-
-<file path=ppt/slides/slide40.xml><?xml version="1.0" encoding="utf-8"?>
-<p:sld xmlns:a="http://schemas.openxmlformats.org/drawingml/2006/main" xmlns:r="http://schemas.openxmlformats.org/officeDocument/2006/relationships" xmlns:p="http://schemas.openxmlformats.org/presentationml/2006/main">
-  <p:cSld>
-    <p:spTree>
-      <p:nvGrpSpPr>
-        <p:cNvPr id="1" name=""/>
-        <p:cNvGrpSpPr/>
-        <p:nvPr/>
-      </p:nvGrpSpPr>
-      <p:grpSpPr>
-        <a:xfrm>
-          <a:off x="0" y="0"/>
-          <a:ext cx="0" cy="0"/>
-          <a:chOff x="0" y="0"/>
-          <a:chExt cx="0" cy="0"/>
-        </a:xfrm>
-      </p:grpSpPr>
-      <p:sp>
-        <p:nvSpPr>
-          <p:cNvPr id="2" name="Title 1">
-            <a:extLst>
-              <a:ext uri="{FF2B5EF4-FFF2-40B4-BE49-F238E27FC236}">
-                <a16:creationId xmlns:a16="http://schemas.microsoft.com/office/drawing/2014/main" id="{E8F97743-F1FB-9B53-C03C-8FC89B2C79E7}"/>
-              </a:ext>
-            </a:extLst>
-          </p:cNvPr>
-          <p:cNvSpPr>
-            <a:spLocks noGrp="1"/>
-          </p:cNvSpPr>
-          <p:nvPr>
-            <p:ph type="title"/>
-          </p:nvPr>
-        </p:nvSpPr>
-        <p:spPr/>
-        <p:txBody>
-          <a:bodyPr/>
-          <a:lstStyle/>
-          <a:p>
-            <a:r>
-              <a:rPr lang="en-IN" dirty="0">
-                <a:solidFill>
-                  <a:srgbClr val="FF0000"/>
-                </a:solidFill>
-              </a:rPr>
-              <a:t>Resource Group in Azure</a:t>
-            </a:r>
-          </a:p>
-        </p:txBody>
-      </p:sp>
-      <p:sp>
-        <p:nvSpPr>
-          <p:cNvPr id="3" name="Content Placeholder 2">
-            <a:extLst>
-              <a:ext uri="{FF2B5EF4-FFF2-40B4-BE49-F238E27FC236}">
-                <a16:creationId xmlns:a16="http://schemas.microsoft.com/office/drawing/2014/main" id="{B6ACB975-0B83-A67A-B54E-9FCAB38B986B}"/>
-              </a:ext>
-            </a:extLst>
-          </p:cNvPr>
-          <p:cNvSpPr>
-            <a:spLocks noGrp="1"/>
-          </p:cNvSpPr>
-          <p:nvPr>
-            <p:ph idx="1"/>
-          </p:nvPr>
-        </p:nvSpPr>
-        <p:spPr/>
-        <p:txBody>
-          <a:bodyPr/>
-          <a:lstStyle/>
-          <a:p>
-            <a:pPr marL="0" indent="0">
-              <a:buNone/>
-            </a:pPr>
-            <a:r>
-              <a:rPr lang="en-IN" dirty="0"/>
-              <a:t>A resource group is </a:t>
-            </a:r>
-            <a:r>
-              <a:rPr lang="en-IN" b="1" dirty="0"/>
-              <a:t>a container that holds related resources for an Azure solution</a:t>
-            </a:r>
-            <a:r>
-              <a:rPr lang="en-IN" dirty="0"/>
-              <a:t>. The resource group can include all the resources for the solution, or only those resources that you want to manage as a group.</a:t>
-            </a:r>
-          </a:p>
-          <a:p>
-            <a:pPr marL="0" indent="0">
-              <a:buNone/>
-            </a:pPr>
-            <a:endParaRPr lang="en-IN" dirty="0"/>
-          </a:p>
-          <a:p>
-            <a:pPr marL="0" indent="0">
-              <a:buNone/>
-            </a:pPr>
-            <a:r>
-              <a:rPr lang="en-IN" dirty="0">
-                <a:solidFill>
-                  <a:srgbClr val="FF0000"/>
-                </a:solidFill>
-              </a:rPr>
-              <a:t>Note: It’s Mandatory to have Azure resource group without that you can’t proceed.</a:t>
-            </a:r>
-          </a:p>
-          <a:p>
-            <a:pPr marL="0" indent="0">
-              <a:buNone/>
-            </a:pPr>
-            <a:endParaRPr lang="en-IN" dirty="0"/>
-          </a:p>
-          <a:p>
-            <a:pPr marL="0" indent="0">
-              <a:buNone/>
-            </a:pPr>
-            <a:r>
-              <a:rPr lang="en-IN" dirty="0">
-                <a:highlight>
-                  <a:srgbClr val="FFFF00"/>
-                </a:highlight>
-              </a:rPr>
-              <a:t>In Simple term, it’s a folder which keep information in one place</a:t>
-            </a:r>
-          </a:p>
-        </p:txBody>
-      </p:sp>
-    </p:spTree>
-    <p:extLst>
-      <p:ext uri="{BB962C8B-B14F-4D97-AF65-F5344CB8AC3E}">
-        <p14:creationId xmlns:p14="http://schemas.microsoft.com/office/powerpoint/2010/main" val="2252598558"/>
-      </p:ext>
-    </p:extLst>
-  </p:cSld>
-  <p:clrMapOvr>
-    <a:masterClrMapping/>
-  </p:clrMapOvr>
-</p:sld>
-</file>
-
-<file path=ppt/slides/slide41.xml><?xml version="1.0" encoding="utf-8"?>
-<p:sld xmlns:a="http://schemas.openxmlformats.org/drawingml/2006/main" xmlns:r="http://schemas.openxmlformats.org/officeDocument/2006/relationships" xmlns:p="http://schemas.openxmlformats.org/presentationml/2006/main">
-  <p:cSld>
-    <p:spTree>
-      <p:nvGrpSpPr>
-        <p:cNvPr id="1" name=""/>
-        <p:cNvGrpSpPr/>
-        <p:nvPr/>
-      </p:nvGrpSpPr>
-      <p:grpSpPr>
-        <a:xfrm>
-          <a:off x="0" y="0"/>
-          <a:ext cx="0" cy="0"/>
-          <a:chOff x="0" y="0"/>
-          <a:chExt cx="0" cy="0"/>
-        </a:xfrm>
-      </p:grpSpPr>
-      <p:sp>
-        <p:nvSpPr>
-          <p:cNvPr id="2" name="Title 1">
-            <a:extLst>
-              <a:ext uri="{FF2B5EF4-FFF2-40B4-BE49-F238E27FC236}">
-                <a16:creationId xmlns:a16="http://schemas.microsoft.com/office/drawing/2014/main" id="{3F0D0DDA-4DDE-565A-8B23-6B2F217AC194}"/>
-              </a:ext>
-            </a:extLst>
-          </p:cNvPr>
-          <p:cNvSpPr>
-            <a:spLocks noGrp="1"/>
-          </p:cNvSpPr>
-          <p:nvPr>
-            <p:ph type="title"/>
-          </p:nvPr>
-        </p:nvSpPr>
-        <p:spPr/>
-        <p:txBody>
-          <a:bodyPr/>
-          <a:lstStyle/>
-          <a:p>
-            <a:r>
-              <a:rPr lang="en-IN" dirty="0"/>
-              <a:t>VNET</a:t>
-            </a:r>
-          </a:p>
-        </p:txBody>
-      </p:sp>
-      <p:sp>
-        <p:nvSpPr>
-          <p:cNvPr id="3" name="Content Placeholder 2">
-            <a:extLst>
-              <a:ext uri="{FF2B5EF4-FFF2-40B4-BE49-F238E27FC236}">
-                <a16:creationId xmlns:a16="http://schemas.microsoft.com/office/drawing/2014/main" id="{34709E91-E265-31BB-5644-9A81A6F0B432}"/>
-              </a:ext>
-            </a:extLst>
-          </p:cNvPr>
-          <p:cNvSpPr>
-            <a:spLocks noGrp="1"/>
-          </p:cNvSpPr>
-          <p:nvPr>
-            <p:ph idx="1"/>
-          </p:nvPr>
-        </p:nvSpPr>
-        <p:spPr/>
-        <p:txBody>
-          <a:bodyPr/>
-          <a:lstStyle/>
-          <a:p>
-            <a:pPr marL="514350" indent="-514350">
-              <a:buAutoNum type="arabicParenR"/>
-            </a:pPr>
-            <a:r>
-              <a:rPr lang="en-IN" dirty="0"/>
-              <a:t>First rule of networking is devices within network can access each other.</a:t>
-            </a:r>
-          </a:p>
-          <a:p>
-            <a:pPr marL="514350" indent="-514350">
-              <a:buAutoNum type="arabicParenR"/>
-            </a:pPr>
-            <a:r>
-              <a:rPr lang="en-IN" dirty="0"/>
-              <a:t>If this is the case then if I am creating my servers in a Zone, Somone else can access it.</a:t>
-            </a:r>
-          </a:p>
-          <a:p>
-            <a:pPr marL="0" indent="0">
-              <a:buNone/>
-            </a:pPr>
-            <a:endParaRPr lang="en-IN" dirty="0"/>
-          </a:p>
-          <a:p>
-            <a:pPr marL="0" indent="0">
-              <a:buNone/>
-            </a:pPr>
-            <a:r>
-              <a:rPr lang="en-IN" dirty="0"/>
-              <a:t>To solve this problem Azure provides ARM concept which provides a separate network </a:t>
-            </a:r>
-            <a:r>
-              <a:rPr lang="en-IN"/>
-              <a:t>within Datacenter.</a:t>
-            </a:r>
-            <a:endParaRPr lang="en-IN" dirty="0"/>
-          </a:p>
-        </p:txBody>
-      </p:sp>
-    </p:spTree>
-    <p:extLst>
-      <p:ext uri="{BB962C8B-B14F-4D97-AF65-F5344CB8AC3E}">
-        <p14:creationId xmlns:p14="http://schemas.microsoft.com/office/powerpoint/2010/main" val="4026593028"/>
-      </p:ext>
-    </p:extLst>
-  </p:cSld>
-  <p:clrMapOvr>
-    <a:masterClrMapping/>
-  </p:clrMapOvr>
-</p:sld>
-</file>
-
-<file path=ppt/slides/slide42.xml><?xml version="1.0" encoding="utf-8"?>
-<p:sld xmlns:a="http://schemas.openxmlformats.org/drawingml/2006/main" xmlns:r="http://schemas.openxmlformats.org/officeDocument/2006/relationships" xmlns:p="http://schemas.openxmlformats.org/presentationml/2006/main">
-  <p:cSld>
-    <p:spTree>
-      <p:nvGrpSpPr>
-        <p:cNvPr id="1" name=""/>
-        <p:cNvGrpSpPr/>
-        <p:nvPr/>
-      </p:nvGrpSpPr>
-      <p:grpSpPr>
-        <a:xfrm>
-          <a:off x="0" y="0"/>
-          <a:ext cx="0" cy="0"/>
-          <a:chOff x="0" y="0"/>
-          <a:chExt cx="0" cy="0"/>
-        </a:xfrm>
-      </p:grpSpPr>
-      <p:sp>
-        <p:nvSpPr>
-          <p:cNvPr id="2" name="Title 1">
-            <a:extLst>
-              <a:ext uri="{FF2B5EF4-FFF2-40B4-BE49-F238E27FC236}">
-                <a16:creationId xmlns:a16="http://schemas.microsoft.com/office/drawing/2014/main" id="{00E80903-6AD0-84E6-9449-A148346980C1}"/>
-              </a:ext>
-            </a:extLst>
-          </p:cNvPr>
-          <p:cNvSpPr>
-            <a:spLocks noGrp="1"/>
-          </p:cNvSpPr>
-          <p:nvPr>
-            <p:ph type="title"/>
-          </p:nvPr>
-        </p:nvSpPr>
-        <p:spPr/>
-        <p:txBody>
-          <a:bodyPr/>
-          <a:lstStyle/>
-          <a:p>
-            <a:r>
-              <a:rPr lang="en-IN" dirty="0"/>
-              <a:t>Demo for activities</a:t>
-            </a:r>
-          </a:p>
-        </p:txBody>
-      </p:sp>
-      <p:sp>
-        <p:nvSpPr>
-          <p:cNvPr id="3" name="Content Placeholder 2">
-            <a:extLst>
-              <a:ext uri="{FF2B5EF4-FFF2-40B4-BE49-F238E27FC236}">
-                <a16:creationId xmlns:a16="http://schemas.microsoft.com/office/drawing/2014/main" id="{C62B760D-BAFB-4F43-990B-1258098750D4}"/>
-              </a:ext>
-            </a:extLst>
-          </p:cNvPr>
-          <p:cNvSpPr>
-            <a:spLocks noGrp="1"/>
-          </p:cNvSpPr>
-          <p:nvPr>
-            <p:ph idx="1"/>
-          </p:nvPr>
-        </p:nvSpPr>
-        <p:spPr/>
-        <p:txBody>
-          <a:bodyPr/>
-          <a:lstStyle/>
-          <a:p>
-            <a:pPr marL="514350" indent="-514350">
-              <a:buAutoNum type="arabicParenR"/>
-            </a:pPr>
-            <a:r>
-              <a:rPr lang="en-IN" dirty="0"/>
-              <a:t>Creating virtual machine into Azure and login into it.</a:t>
-            </a:r>
-          </a:p>
-          <a:p>
-            <a:pPr marL="514350" indent="-514350">
-              <a:buAutoNum type="arabicParenR"/>
-            </a:pPr>
-            <a:r>
-              <a:rPr lang="en-IN" dirty="0"/>
-              <a:t>Creating storage account, and different type of storage.</a:t>
-            </a:r>
-          </a:p>
-        </p:txBody>
-      </p:sp>
-    </p:spTree>
-    <p:extLst>
-      <p:ext uri="{BB962C8B-B14F-4D97-AF65-F5344CB8AC3E}">
-        <p14:creationId xmlns:p14="http://schemas.microsoft.com/office/powerpoint/2010/main" val="1508534897"/>
-      </p:ext>
-    </p:extLst>
-  </p:cSld>
-  <p:clrMapOvr>
-    <a:masterClrMapping/>
-  </p:clrMapOvr>
-</p:sld>
-</file>
-
-<file path=ppt/slides/slide43.xml><?xml version="1.0" encoding="utf-8"?>
-<p:sld xmlns:a="http://schemas.openxmlformats.org/drawingml/2006/main" xmlns:r="http://schemas.openxmlformats.org/officeDocument/2006/relationships" xmlns:p="http://schemas.openxmlformats.org/presentationml/2006/main">
-  <p:cSld>
-    <p:spTree>
-      <p:nvGrpSpPr>
-        <p:cNvPr id="1" name=""/>
-        <p:cNvGrpSpPr/>
-        <p:nvPr/>
-      </p:nvGrpSpPr>
-      <p:grpSpPr>
-        <a:xfrm>
-          <a:off x="0" y="0"/>
-          <a:ext cx="0" cy="0"/>
-          <a:chOff x="0" y="0"/>
-          <a:chExt cx="0" cy="0"/>
-        </a:xfrm>
-      </p:grpSpPr>
-      <p:sp>
-        <p:nvSpPr>
-          <p:cNvPr id="2" name="Title 1">
-            <a:extLst>
-              <a:ext uri="{FF2B5EF4-FFF2-40B4-BE49-F238E27FC236}">
-                <a16:creationId xmlns:a16="http://schemas.microsoft.com/office/drawing/2014/main" id="{D3457A4E-9886-C758-2941-67412202E5F5}"/>
-              </a:ext>
-            </a:extLst>
-          </p:cNvPr>
-          <p:cNvSpPr>
-            <a:spLocks noGrp="1"/>
-          </p:cNvSpPr>
-          <p:nvPr>
-            <p:ph type="title"/>
-          </p:nvPr>
-        </p:nvSpPr>
-        <p:spPr/>
-        <p:txBody>
-          <a:bodyPr/>
-          <a:lstStyle/>
-          <a:p>
-            <a:r>
-              <a:rPr lang="en-IN" dirty="0"/>
-              <a:t>Homework</a:t>
-            </a:r>
-          </a:p>
-        </p:txBody>
-      </p:sp>
-      <p:sp>
-        <p:nvSpPr>
-          <p:cNvPr id="3" name="Content Placeholder 2">
-            <a:extLst>
-              <a:ext uri="{FF2B5EF4-FFF2-40B4-BE49-F238E27FC236}">
-                <a16:creationId xmlns:a16="http://schemas.microsoft.com/office/drawing/2014/main" id="{D9125F66-722D-6DB8-6AF5-ED76AD53DBF7}"/>
-              </a:ext>
-            </a:extLst>
-          </p:cNvPr>
-          <p:cNvSpPr>
-            <a:spLocks noGrp="1"/>
-          </p:cNvSpPr>
-          <p:nvPr>
-            <p:ph idx="1"/>
-          </p:nvPr>
-        </p:nvSpPr>
-        <p:spPr/>
-        <p:txBody>
-          <a:bodyPr/>
-          <a:lstStyle/>
-          <a:p>
-            <a:pPr marL="514350" indent="-514350">
-              <a:buAutoNum type="arabicParenR"/>
-            </a:pPr>
-            <a:r>
-              <a:rPr lang="en-IN" dirty="0"/>
-              <a:t>Terraform code to create VM</a:t>
-            </a:r>
-          </a:p>
-          <a:p>
-            <a:pPr marL="514350" indent="-514350">
-              <a:buAutoNum type="arabicParenR"/>
-            </a:pPr>
-            <a:r>
-              <a:rPr lang="en-IN" dirty="0"/>
-              <a:t>Terraform code to create all types of storage in Azure</a:t>
-            </a:r>
-          </a:p>
-          <a:p>
-            <a:pPr marL="514350" indent="-514350">
-              <a:buAutoNum type="arabicParenR"/>
-            </a:pPr>
-            <a:r>
-              <a:rPr lang="en-IN" dirty="0"/>
-              <a:t>Explore ARM, VNET, STORAGE and VM into azure by Microsoft link.</a:t>
-            </a:r>
-          </a:p>
-        </p:txBody>
-      </p:sp>
-    </p:spTree>
-    <p:extLst>
-      <p:ext uri="{BB962C8B-B14F-4D97-AF65-F5344CB8AC3E}">
-        <p14:creationId xmlns:p14="http://schemas.microsoft.com/office/powerpoint/2010/main" val="1546921321"/>
       </p:ext>
     </p:extLst>
   </p:cSld>
@@ -7657,7 +6859,7 @@
             </a:pPr>
             <a:r>
               <a:rPr lang="en-IN" dirty="0"/>
-              <a:t>connected</a:t>
+              <a:t>Connected</a:t>
             </a:r>
           </a:p>
         </p:txBody>
